--- a/Docs/Презентация.pptx
+++ b/Docs/Презентация.pptx
@@ -5,17 +5,20 @@
     <p:sldMasterId id="2147483753" r:id="rId1"/>
   </p:sldMasterIdLst>
   <p:notesMasterIdLst>
-    <p:notesMasterId r:id="rId10"/>
+    <p:notesMasterId r:id="rId13"/>
   </p:notesMasterIdLst>
   <p:sldIdLst>
     <p:sldId id="256" r:id="rId2"/>
     <p:sldId id="257" r:id="rId3"/>
     <p:sldId id="261" r:id="rId4"/>
-    <p:sldId id="262" r:id="rId5"/>
-    <p:sldId id="263" r:id="rId6"/>
-    <p:sldId id="264" r:id="rId7"/>
-    <p:sldId id="259" r:id="rId8"/>
-    <p:sldId id="260" r:id="rId9"/>
+    <p:sldId id="265" r:id="rId5"/>
+    <p:sldId id="266" r:id="rId6"/>
+    <p:sldId id="267" r:id="rId7"/>
+    <p:sldId id="268" r:id="rId8"/>
+    <p:sldId id="263" r:id="rId9"/>
+    <p:sldId id="264" r:id="rId10"/>
+    <p:sldId id="259" r:id="rId11"/>
+    <p:sldId id="260" r:id="rId12"/>
   </p:sldIdLst>
   <p:sldSz cx="12192000" cy="6858000"/>
   <p:notesSz cx="6858000" cy="9144000"/>
@@ -620,7 +623,7 @@
           <a:p>
             <a:fld id="{671EA964-95BE-4112-8D02-6C2695CD07BB}" type="slidenum">
               <a:rPr lang="ru-RU" smtClean="0"/>
-              <a:t>7</a:t>
+              <a:t>10</a:t>
             </a:fld>
             <a:endParaRPr lang="ru-RU"/>
           </a:p>
@@ -6753,6 +6756,213 @@
 </p:sld>
 </file>
 
+<file path=ppt/slides/slide10.xml><?xml version="1.0" encoding="utf-8"?>
+<p:sld xmlns:a="http://schemas.openxmlformats.org/drawingml/2006/main" xmlns:r="http://schemas.openxmlformats.org/officeDocument/2006/relationships" xmlns:p="http://schemas.openxmlformats.org/presentationml/2006/main">
+  <p:cSld>
+    <p:spTree>
+      <p:nvGrpSpPr>
+        <p:cNvPr id="1" name=""/>
+        <p:cNvGrpSpPr/>
+        <p:nvPr/>
+      </p:nvGrpSpPr>
+      <p:grpSpPr>
+        <a:xfrm>
+          <a:off x="0" y="0"/>
+          <a:ext cx="0" cy="0"/>
+          <a:chOff x="0" y="0"/>
+          <a:chExt cx="0" cy="0"/>
+        </a:xfrm>
+      </p:grpSpPr>
+      <p:sp>
+        <p:nvSpPr>
+          <p:cNvPr id="2" name="Заголовок 1">
+            <a:extLst>
+              <a:ext uri="{FF2B5EF4-FFF2-40B4-BE49-F238E27FC236}">
+                <a16:creationId xmlns:a16="http://schemas.microsoft.com/office/drawing/2014/main" id="{B8059317-3D7B-4119-A0DE-2073BC9ECA53}"/>
+              </a:ext>
+            </a:extLst>
+          </p:cNvPr>
+          <p:cNvSpPr>
+            <a:spLocks noGrp="1"/>
+          </p:cNvSpPr>
+          <p:nvPr>
+            <p:ph type="title"/>
+          </p:nvPr>
+        </p:nvSpPr>
+        <p:spPr>
+          <a:xfrm>
+            <a:off x="3172177" y="650603"/>
+            <a:ext cx="5847644" cy="1413603"/>
+          </a:xfrm>
+        </p:spPr>
+        <p:txBody>
+          <a:bodyPr/>
+          <a:lstStyle/>
+          <a:p>
+            <a:pPr algn="ctr"/>
+            <a:r>
+              <a:rPr lang="ru-RU" dirty="0"/>
+              <a:t>Применённые технологии</a:t>
+            </a:r>
+          </a:p>
+        </p:txBody>
+      </p:sp>
+      <p:sp>
+        <p:nvSpPr>
+          <p:cNvPr id="3" name="Объект 2">
+            <a:extLst>
+              <a:ext uri="{FF2B5EF4-FFF2-40B4-BE49-F238E27FC236}">
+                <a16:creationId xmlns:a16="http://schemas.microsoft.com/office/drawing/2014/main" id="{AB9B5EA4-9922-452E-B5B3-1D4886BF1C42}"/>
+              </a:ext>
+            </a:extLst>
+          </p:cNvPr>
+          <p:cNvSpPr>
+            <a:spLocks noGrp="1"/>
+          </p:cNvSpPr>
+          <p:nvPr>
+            <p:ph idx="1"/>
+          </p:nvPr>
+        </p:nvSpPr>
+        <p:spPr>
+          <a:xfrm>
+            <a:off x="1622729" y="2323851"/>
+            <a:ext cx="8946541" cy="4195481"/>
+          </a:xfrm>
+        </p:spPr>
+        <p:txBody>
+          <a:bodyPr/>
+          <a:lstStyle/>
+          <a:p>
+            <a:pPr marL="457200" indent="-457200">
+              <a:buFont typeface="+mj-lt"/>
+              <a:buAutoNum type="arabicPeriod"/>
+            </a:pPr>
+            <a:r>
+              <a:rPr lang="en-US" dirty="0" err="1"/>
+              <a:t>PyGame</a:t>
+            </a:r>
+            <a:endParaRPr lang="en-US" dirty="0"/>
+          </a:p>
+          <a:p>
+            <a:pPr marL="457200" indent="-457200">
+              <a:buFont typeface="+mj-lt"/>
+              <a:buAutoNum type="arabicPeriod"/>
+            </a:pPr>
+            <a:r>
+              <a:rPr lang="en-US" dirty="0"/>
+              <a:t>Random</a:t>
+            </a:r>
+            <a:endParaRPr lang="ru-RU" dirty="0"/>
+          </a:p>
+          <a:p>
+            <a:pPr marL="457200" indent="-457200">
+              <a:buFont typeface="+mj-lt"/>
+              <a:buAutoNum type="arabicPeriod"/>
+            </a:pPr>
+            <a:r>
+              <a:rPr lang="en-US" dirty="0"/>
+              <a:t>datetime</a:t>
+            </a:r>
+          </a:p>
+          <a:p>
+            <a:pPr marL="457200" indent="-457200">
+              <a:buFont typeface="+mj-lt"/>
+              <a:buAutoNum type="arabicPeriod"/>
+            </a:pPr>
+            <a:r>
+              <a:rPr lang="en-US" dirty="0"/>
+              <a:t>Sys</a:t>
+            </a:r>
+          </a:p>
+          <a:p>
+            <a:pPr marL="457200" indent="-457200">
+              <a:buFont typeface="+mj-lt"/>
+              <a:buAutoNum type="arabicPeriod"/>
+            </a:pPr>
+            <a:r>
+              <a:rPr lang="en-US" dirty="0" err="1"/>
+              <a:t>Os</a:t>
+            </a:r>
+            <a:endParaRPr lang="en-US" dirty="0"/>
+          </a:p>
+        </p:txBody>
+      </p:sp>
+    </p:spTree>
+    <p:extLst>
+      <p:ext uri="{BB962C8B-B14F-4D97-AF65-F5344CB8AC3E}">
+        <p14:creationId xmlns:p14="http://schemas.microsoft.com/office/powerpoint/2010/main" val="3778296572"/>
+      </p:ext>
+    </p:extLst>
+  </p:cSld>
+  <p:clrMapOvr>
+    <a:masterClrMapping/>
+  </p:clrMapOvr>
+</p:sld>
+</file>
+
+<file path=ppt/slides/slide11.xml><?xml version="1.0" encoding="utf-8"?>
+<p:sld xmlns:a="http://schemas.openxmlformats.org/drawingml/2006/main" xmlns:r="http://schemas.openxmlformats.org/officeDocument/2006/relationships" xmlns:p="http://schemas.openxmlformats.org/presentationml/2006/main">
+  <p:cSld>
+    <p:spTree>
+      <p:nvGrpSpPr>
+        <p:cNvPr id="1" name=""/>
+        <p:cNvGrpSpPr/>
+        <p:nvPr/>
+      </p:nvGrpSpPr>
+      <p:grpSpPr>
+        <a:xfrm>
+          <a:off x="0" y="0"/>
+          <a:ext cx="0" cy="0"/>
+          <a:chOff x="0" y="0"/>
+          <a:chExt cx="0" cy="0"/>
+        </a:xfrm>
+      </p:grpSpPr>
+      <p:sp>
+        <p:nvSpPr>
+          <p:cNvPr id="2" name="Заголовок 1">
+            <a:extLst>
+              <a:ext uri="{FF2B5EF4-FFF2-40B4-BE49-F238E27FC236}">
+                <a16:creationId xmlns:a16="http://schemas.microsoft.com/office/drawing/2014/main" id="{D4BB738A-16AB-47A9-B2E4-581FD8B4E441}"/>
+              </a:ext>
+            </a:extLst>
+          </p:cNvPr>
+          <p:cNvSpPr>
+            <a:spLocks noGrp="1"/>
+          </p:cNvSpPr>
+          <p:nvPr>
+            <p:ph type="title"/>
+          </p:nvPr>
+        </p:nvSpPr>
+        <p:spPr>
+          <a:xfrm>
+            <a:off x="2869099" y="2728735"/>
+            <a:ext cx="6453801" cy="1400530"/>
+          </a:xfrm>
+        </p:spPr>
+        <p:txBody>
+          <a:bodyPr/>
+          <a:lstStyle/>
+          <a:p>
+            <a:r>
+              <a:rPr lang="ru-RU" dirty="0"/>
+              <a:t>Спасибо за внимание!</a:t>
+            </a:r>
+          </a:p>
+        </p:txBody>
+      </p:sp>
+    </p:spTree>
+    <p:extLst>
+      <p:ext uri="{BB962C8B-B14F-4D97-AF65-F5344CB8AC3E}">
+        <p14:creationId xmlns:p14="http://schemas.microsoft.com/office/powerpoint/2010/main" val="4211688785"/>
+      </p:ext>
+    </p:extLst>
+  </p:cSld>
+  <p:clrMapOvr>
+    <a:masterClrMapping/>
+  </p:clrMapOvr>
+</p:sld>
+</file>
+
 <file path=ppt/slides/slide2.xml><?xml version="1.0" encoding="utf-8"?>
 <p:sld xmlns:a="http://schemas.openxmlformats.org/drawingml/2006/main" xmlns:r="http://schemas.openxmlformats.org/officeDocument/2006/relationships" xmlns:p="http://schemas.openxmlformats.org/presentationml/2006/main">
   <p:cSld>
@@ -6836,7 +7046,7 @@
             </a:pPr>
             <a:r>
               <a:rPr lang="ru-RU" sz="2400" dirty="0"/>
-              <a:t>Прохождение локаций в различных уровнях (подземельях).</a:t>
+              <a:t>Достижение сундука с сокровищами из подземелья с различными монстрами.</a:t>
             </a:r>
           </a:p>
           <a:p>
@@ -6846,9 +7056,8 @@
             </a:pPr>
             <a:r>
               <a:rPr lang="ru-RU" sz="2400" dirty="0"/>
-              <a:t>Получение новых способностей,  при помощи уничтожения врагов.</a:t>
-            </a:r>
-            <a:endParaRPr lang="en-US" sz="2400" dirty="0"/>
+              <a:t>Прохождение локаций в различных подземельях.</a:t>
+            </a:r>
           </a:p>
           <a:p>
             <a:pPr>
@@ -6857,7 +7066,7 @@
             </a:pPr>
             <a:r>
               <a:rPr lang="ru-RU" sz="2400" dirty="0"/>
-              <a:t>Прохождение всех подземелий на максимальный результат.</a:t>
+              <a:t>Получение новых способностей, при помощи уничтожения врагов.</a:t>
             </a:r>
             <a:endParaRPr lang="en-US" sz="2400" dirty="0"/>
           </a:p>
@@ -6868,14 +7077,8 @@
             </a:pPr>
             <a:r>
               <a:rPr lang="ru-RU" sz="2400" dirty="0"/>
-              <a:t>Спасение мира от подземных монстров.</a:t>
-            </a:r>
-          </a:p>
-          <a:p>
-            <a:pPr marL="0" indent="0">
-              <a:buNone/>
-            </a:pPr>
-            <a:endParaRPr lang="ru-RU" dirty="0"/>
+              <a:t>Прохождение всех подземелий на максимальный результат.</a:t>
+            </a:r>
           </a:p>
         </p:txBody>
       </p:sp>
@@ -7264,46 +7467,122 @@
           <a:chExt cx="0" cy="0"/>
         </a:xfrm>
       </p:grpSpPr>
-      <p:pic>
-        <p:nvPicPr>
-          <p:cNvPr id="4" name="Рисунок 3">
+      <p:sp>
+        <p:nvSpPr>
+          <p:cNvPr id="2" name="Заголовок 1">
             <a:extLst>
               <a:ext uri="{FF2B5EF4-FFF2-40B4-BE49-F238E27FC236}">
-                <a16:creationId xmlns:a16="http://schemas.microsoft.com/office/drawing/2014/main" id="{E3D47692-E865-447E-B697-1470EE8E72FF}"/>
+                <a16:creationId xmlns:a16="http://schemas.microsoft.com/office/drawing/2014/main" id="{0111B238-FF58-4159-BAA3-2DC8F644C4A1}"/>
               </a:ext>
             </a:extLst>
           </p:cNvPr>
-          <p:cNvPicPr>
-            <a:picLocks noChangeAspect="1"/>
-          </p:cNvPicPr>
-          <p:nvPr/>
-        </p:nvPicPr>
-        <p:blipFill>
-          <a:blip r:embed="rId2">
+          <p:cNvSpPr>
+            <a:spLocks noGrp="1"/>
+          </p:cNvSpPr>
+          <p:nvPr>
+            <p:ph type="title"/>
+          </p:nvPr>
+        </p:nvSpPr>
+        <p:spPr>
+          <a:xfrm>
+            <a:off x="4182415" y="609601"/>
+            <a:ext cx="3534002" cy="816245"/>
+          </a:xfrm>
+        </p:spPr>
+        <p:txBody>
+          <a:bodyPr/>
+          <a:lstStyle/>
+          <a:p>
+            <a:r>
+              <a:rPr lang="ru-RU" dirty="0"/>
+              <a:t>Виды  зелий</a:t>
+            </a:r>
+          </a:p>
+        </p:txBody>
+      </p:sp>
+      <p:sp>
+        <p:nvSpPr>
+          <p:cNvPr id="3" name="Объект 2">
             <a:extLst>
-              <a:ext uri="{28A0092B-C50C-407E-A947-70E740481C1C}">
-                <a14:useLocalDpi xmlns:a14="http://schemas.microsoft.com/office/drawing/2010/main" val="0"/>
+              <a:ext uri="{FF2B5EF4-FFF2-40B4-BE49-F238E27FC236}">
+                <a16:creationId xmlns:a16="http://schemas.microsoft.com/office/drawing/2014/main" id="{BA6D24D0-ABCB-4E57-B183-922626355D0F}"/>
               </a:ext>
             </a:extLst>
-          </a:blip>
-          <a:stretch>
-            <a:fillRect/>
-          </a:stretch>
-        </p:blipFill>
-        <p:spPr>
-          <a:xfrm>
-            <a:off x="2410692" y="419920"/>
-            <a:ext cx="6792685" cy="6018160"/>
-          </a:xfrm>
-          <a:prstGeom prst="rect">
-            <a:avLst/>
-          </a:prstGeom>
-        </p:spPr>
-      </p:pic>
+          </p:cNvPr>
+          <p:cNvSpPr>
+            <a:spLocks noGrp="1"/>
+          </p:cNvSpPr>
+          <p:nvPr>
+            <p:ph idx="1"/>
+          </p:nvPr>
+        </p:nvSpPr>
+        <p:spPr/>
+        <p:txBody>
+          <a:bodyPr>
+            <a:normAutofit/>
+          </a:bodyPr>
+          <a:lstStyle/>
+          <a:p>
+            <a:r>
+              <a:rPr lang="ru-RU" sz="2400" dirty="0"/>
+              <a:t>Красное зелье – восстановление всех жизней героя.</a:t>
+            </a:r>
+          </a:p>
+          <a:p>
+            <a:r>
+              <a:rPr lang="ru-RU" sz="2400" dirty="0"/>
+              <a:t>Зелёное зелье – </a:t>
+            </a:r>
+            <a:r>
+              <a:rPr lang="en-US" sz="2400" dirty="0"/>
+              <a:t>“+25” </a:t>
+            </a:r>
+            <a:r>
+              <a:rPr lang="ru-RU" sz="2400" dirty="0"/>
+              <a:t>или </a:t>
+            </a:r>
+            <a:r>
+              <a:rPr lang="en-US" sz="2400" dirty="0"/>
+              <a:t>“-25” </a:t>
+            </a:r>
+            <a:r>
+              <a:rPr lang="ru-RU" sz="2400" dirty="0"/>
+              <a:t>жизней героя.</a:t>
+            </a:r>
+          </a:p>
+          <a:p>
+            <a:r>
+              <a:rPr lang="ru-RU" sz="2400" dirty="0"/>
+              <a:t>Жёлтое зелье – получение </a:t>
+            </a:r>
+            <a:r>
+              <a:rPr lang="en-US" sz="2400" dirty="0"/>
+              <a:t>“</a:t>
+            </a:r>
+            <a:r>
+              <a:rPr lang="ru-RU" sz="2400" dirty="0"/>
+              <a:t>Супер меча</a:t>
+            </a:r>
+            <a:r>
+              <a:rPr lang="en-US" sz="2400" dirty="0"/>
+              <a:t>”</a:t>
+            </a:r>
+            <a:r>
+              <a:rPr lang="ru-RU" sz="2400" dirty="0"/>
+              <a:t> с увеличенным уроном.</a:t>
+            </a:r>
+            <a:r>
+              <a:rPr lang="en-US" sz="2400" dirty="0"/>
+              <a:t> </a:t>
+            </a:r>
+            <a:endParaRPr lang="ru-RU" sz="2400" dirty="0"/>
+          </a:p>
+        </p:txBody>
+      </p:sp>
     </p:spTree>
     <p:extLst>
       <p:ext uri="{BB962C8B-B14F-4D97-AF65-F5344CB8AC3E}">
-        <p14:creationId xmlns:p14="http://schemas.microsoft.com/office/powerpoint/2010/main" val="3271671241"/>
+        <p14:creationId xmlns:p14="http://schemas.microsoft.com/office/powerpoint/2010/main" val="4119932510"/>
       </p:ext>
     </p:extLst>
   </p:cSld>
@@ -7335,7 +7614,7 @@
           <p:cNvPr id="2" name="Заголовок 1">
             <a:extLst>
               <a:ext uri="{FF2B5EF4-FFF2-40B4-BE49-F238E27FC236}">
-                <a16:creationId xmlns:a16="http://schemas.microsoft.com/office/drawing/2014/main" id="{A1B209E0-0661-4056-8403-9427BD8CDB7C}"/>
+                <a16:creationId xmlns:a16="http://schemas.microsoft.com/office/drawing/2014/main" id="{1D6A075A-A927-412F-9C18-CD4CF5C3DCE7}"/>
               </a:ext>
             </a:extLst>
           </p:cNvPr>
@@ -7348,8 +7627,8 @@
         </p:nvSpPr>
         <p:spPr>
           <a:xfrm>
-            <a:off x="4679658" y="76297"/>
-            <a:ext cx="2832684" cy="877318"/>
+            <a:off x="3834476" y="434057"/>
+            <a:ext cx="4523047" cy="806915"/>
           </a:xfrm>
         </p:spPr>
         <p:txBody>
@@ -7357,22 +7636,18 @@
           <a:lstStyle/>
           <a:p>
             <a:r>
-              <a:rPr lang="en-US" dirty="0"/>
-              <a:t>Help </a:t>
-            </a:r>
-            <a:r>
               <a:rPr lang="ru-RU" dirty="0"/>
-              <a:t>окно</a:t>
+              <a:t>Стартовое окно</a:t>
             </a:r>
           </a:p>
         </p:txBody>
       </p:sp>
       <p:pic>
         <p:nvPicPr>
-          <p:cNvPr id="8" name="Объект 7">
+          <p:cNvPr id="5" name="Объект 4" descr="Dark Lifes">
             <a:extLst>
               <a:ext uri="{FF2B5EF4-FFF2-40B4-BE49-F238E27FC236}">
-                <a16:creationId xmlns:a16="http://schemas.microsoft.com/office/drawing/2014/main" id="{3F2748E2-31EB-4FB1-B09D-3B0B5CE438F6}"/>
+                <a16:creationId xmlns:a16="http://schemas.microsoft.com/office/drawing/2014/main" id="{F829A932-FF80-4CAA-8916-DBC1C60E3BAC}"/>
               </a:ext>
             </a:extLst>
           </p:cNvPr>
@@ -7383,7 +7658,7 @@
             <p:ph idx="1"/>
           </p:nvPr>
         </p:nvPicPr>
-        <p:blipFill>
+        <p:blipFill rotWithShape="1">
           <a:blip r:embed="rId2">
             <a:extLst>
               <a:ext uri="{28A0092B-C50C-407E-A947-70E740481C1C}">
@@ -7391,21 +7666,20 @@
               </a:ext>
             </a:extLst>
           </a:blip>
-          <a:stretch>
-            <a:fillRect/>
-          </a:stretch>
+          <a:srcRect l="416" t="3216" r="20574" b="20873"/>
+          <a:stretch/>
         </p:blipFill>
         <p:spPr>
           <a:xfrm>
-            <a:off x="3388882" y="953615"/>
-            <a:ext cx="5719491" cy="5310957"/>
+            <a:off x="3558073" y="1530220"/>
+            <a:ext cx="5075854" cy="4691519"/>
           </a:xfrm>
         </p:spPr>
       </p:pic>
     </p:spTree>
     <p:extLst>
       <p:ext uri="{BB962C8B-B14F-4D97-AF65-F5344CB8AC3E}">
-        <p14:creationId xmlns:p14="http://schemas.microsoft.com/office/powerpoint/2010/main" val="362685199"/>
+        <p14:creationId xmlns:p14="http://schemas.microsoft.com/office/powerpoint/2010/main" val="3769138082"/>
       </p:ext>
     </p:extLst>
   </p:cSld>
@@ -7437,7 +7711,7 @@
           <p:cNvPr id="2" name="Заголовок 1">
             <a:extLst>
               <a:ext uri="{FF2B5EF4-FFF2-40B4-BE49-F238E27FC236}">
-                <a16:creationId xmlns:a16="http://schemas.microsoft.com/office/drawing/2014/main" id="{ED691DC5-E212-4CFB-9C30-277DFF7126EE}"/>
+                <a16:creationId xmlns:a16="http://schemas.microsoft.com/office/drawing/2014/main" id="{62711EB5-8288-404E-88E8-DBD20875FC59}"/>
               </a:ext>
             </a:extLst>
           </p:cNvPr>
@@ -7450,8 +7724,8 @@
         </p:nvSpPr>
         <p:spPr>
           <a:xfrm>
-            <a:off x="3661788" y="410515"/>
-            <a:ext cx="4868424" cy="827442"/>
+            <a:off x="3633867" y="434057"/>
+            <a:ext cx="4924265" cy="788253"/>
           </a:xfrm>
         </p:spPr>
         <p:txBody>
@@ -7460,17 +7734,17 @@
           <a:p>
             <a:r>
               <a:rPr lang="ru-RU" dirty="0"/>
-              <a:t>Полоска жизней</a:t>
+              <a:t>Окно проигрыша</a:t>
             </a:r>
           </a:p>
         </p:txBody>
       </p:sp>
       <p:pic>
         <p:nvPicPr>
-          <p:cNvPr id="5" name="Объект 4">
+          <p:cNvPr id="4" name="Объект 3" descr="Dark Lifes">
             <a:extLst>
               <a:ext uri="{FF2B5EF4-FFF2-40B4-BE49-F238E27FC236}">
-                <a16:creationId xmlns:a16="http://schemas.microsoft.com/office/drawing/2014/main" id="{5873B703-CB4A-451D-A5A0-096A668349F1}"/>
+                <a16:creationId xmlns:a16="http://schemas.microsoft.com/office/drawing/2014/main" id="{DE3F68C5-584E-457D-8541-0E23632799B0}"/>
               </a:ext>
             </a:extLst>
           </p:cNvPr>
@@ -7481,7 +7755,7 @@
             <p:ph idx="1"/>
           </p:nvPr>
         </p:nvPicPr>
-        <p:blipFill>
+        <p:blipFill rotWithShape="1">
           <a:blip r:embed="rId2">
             <a:extLst>
               <a:ext uri="{28A0092B-C50C-407E-A947-70E740481C1C}">
@@ -7489,21 +7763,23 @@
               </a:ext>
             </a:extLst>
           </a:blip>
-          <a:stretch>
-            <a:fillRect/>
-          </a:stretch>
+          <a:srcRect l="978" t="4355" r="21044" b="21061"/>
+          <a:stretch/>
         </p:blipFill>
         <p:spPr>
           <a:xfrm>
-            <a:off x="2380775" y="2244107"/>
-            <a:ext cx="6997125" cy="1399425"/>
-          </a:xfrm>
+            <a:off x="3716807" y="1688744"/>
+            <a:ext cx="4559918" cy="4195762"/>
+          </a:xfrm>
+          <a:prstGeom prst="rect">
+            <a:avLst/>
+          </a:prstGeom>
         </p:spPr>
       </p:pic>
     </p:spTree>
     <p:extLst>
       <p:ext uri="{BB962C8B-B14F-4D97-AF65-F5344CB8AC3E}">
-        <p14:creationId xmlns:p14="http://schemas.microsoft.com/office/powerpoint/2010/main" val="2949222399"/>
+        <p14:creationId xmlns:p14="http://schemas.microsoft.com/office/powerpoint/2010/main" val="2739600234"/>
       </p:ext>
     </p:extLst>
   </p:cSld>
@@ -7535,7 +7811,7 @@
           <p:cNvPr id="2" name="Заголовок 1">
             <a:extLst>
               <a:ext uri="{FF2B5EF4-FFF2-40B4-BE49-F238E27FC236}">
-                <a16:creationId xmlns:a16="http://schemas.microsoft.com/office/drawing/2014/main" id="{B8059317-3D7B-4119-A0DE-2073BC9ECA53}"/>
+                <a16:creationId xmlns:a16="http://schemas.microsoft.com/office/drawing/2014/main" id="{1A8313CB-3FB6-4CF8-ACC6-B0501A604D92}"/>
               </a:ext>
             </a:extLst>
           </p:cNvPr>
@@ -7548,106 +7824,59 @@
         </p:nvSpPr>
         <p:spPr>
           <a:xfrm>
-            <a:off x="3172177" y="650603"/>
-            <a:ext cx="5847644" cy="1413603"/>
+            <a:off x="4179709" y="609601"/>
+            <a:ext cx="3832582" cy="713609"/>
           </a:xfrm>
         </p:spPr>
         <p:txBody>
           <a:bodyPr/>
           <a:lstStyle/>
           <a:p>
-            <a:pPr algn="ctr"/>
             <a:r>
               <a:rPr lang="ru-RU" dirty="0"/>
-              <a:t>Применённые технологии</a:t>
-            </a:r>
-          </a:p>
-        </p:txBody>
-      </p:sp>
-      <p:sp>
-        <p:nvSpPr>
-          <p:cNvPr id="3" name="Объект 2">
+              <a:t>Окно победы</a:t>
+            </a:r>
+          </a:p>
+        </p:txBody>
+      </p:sp>
+      <p:pic>
+        <p:nvPicPr>
+          <p:cNvPr id="5" name="Объект 4" descr="Dark Lifes">
             <a:extLst>
               <a:ext uri="{FF2B5EF4-FFF2-40B4-BE49-F238E27FC236}">
-                <a16:creationId xmlns:a16="http://schemas.microsoft.com/office/drawing/2014/main" id="{AB9B5EA4-9922-452E-B5B3-1D4886BF1C42}"/>
+                <a16:creationId xmlns:a16="http://schemas.microsoft.com/office/drawing/2014/main" id="{B70A6E11-9BF1-4BA5-9959-5607B7D39011}"/>
               </a:ext>
             </a:extLst>
           </p:cNvPr>
-          <p:cNvSpPr>
-            <a:spLocks noGrp="1"/>
-          </p:cNvSpPr>
+          <p:cNvPicPr>
+            <a:picLocks noGrp="1" noChangeAspect="1"/>
+          </p:cNvPicPr>
           <p:nvPr>
             <p:ph idx="1"/>
           </p:nvPr>
-        </p:nvSpPr>
-        <p:spPr>
-          <a:xfrm>
-            <a:off x="1622729" y="2323851"/>
-            <a:ext cx="8946541" cy="4195481"/>
-          </a:xfrm>
-        </p:spPr>
-        <p:txBody>
-          <a:bodyPr/>
-          <a:lstStyle/>
-          <a:p>
-            <a:pPr marL="457200" indent="-457200">
-              <a:buFont typeface="+mj-lt"/>
-              <a:buAutoNum type="arabicPeriod"/>
-            </a:pPr>
-            <a:r>
-              <a:rPr lang="en-US" dirty="0" err="1"/>
-              <a:t>PyGame</a:t>
-            </a:r>
-            <a:endParaRPr lang="en-US" dirty="0"/>
-          </a:p>
-          <a:p>
-            <a:pPr marL="457200" indent="-457200">
-              <a:buFont typeface="+mj-lt"/>
-              <a:buAutoNum type="arabicPeriod"/>
-            </a:pPr>
-            <a:r>
-              <a:rPr lang="en-US" dirty="0"/>
-              <a:t>Random</a:t>
-            </a:r>
-            <a:endParaRPr lang="ru-RU" dirty="0"/>
-          </a:p>
-          <a:p>
-            <a:pPr marL="457200" indent="-457200">
-              <a:buFont typeface="+mj-lt"/>
-              <a:buAutoNum type="arabicPeriod"/>
-            </a:pPr>
-            <a:r>
-              <a:rPr lang="en-US" dirty="0"/>
-              <a:t>datetime</a:t>
-            </a:r>
-          </a:p>
-          <a:p>
-            <a:pPr marL="457200" indent="-457200">
-              <a:buFont typeface="+mj-lt"/>
-              <a:buAutoNum type="arabicPeriod"/>
-            </a:pPr>
-            <a:r>
-              <a:rPr lang="en-US" dirty="0"/>
-              <a:t>Sys</a:t>
-            </a:r>
-          </a:p>
-          <a:p>
-            <a:pPr marL="457200" indent="-457200">
-              <a:buFont typeface="+mj-lt"/>
-              <a:buAutoNum type="arabicPeriod"/>
-            </a:pPr>
-            <a:r>
-              <a:rPr lang="en-US" dirty="0" err="1"/>
-              <a:t>Os</a:t>
-            </a:r>
-            <a:endParaRPr lang="en-US" dirty="0"/>
-          </a:p>
-        </p:txBody>
-      </p:sp>
+        </p:nvPicPr>
+        <p:blipFill rotWithShape="1">
+          <a:blip r:embed="rId2">
+            <a:extLst>
+              <a:ext uri="{28A0092B-C50C-407E-A947-70E740481C1C}">
+                <a14:useLocalDpi xmlns:a14="http://schemas.microsoft.com/office/drawing/2010/main" val="0"/>
+              </a:ext>
+            </a:extLst>
+          </a:blip>
+          <a:srcRect l="1288" t="4005" r="21054" b="21274"/>
+          <a:stretch/>
+        </p:blipFill>
+        <p:spPr>
+          <a:xfrm>
+            <a:off x="4402494" y="1861457"/>
+            <a:ext cx="3387012" cy="3135085"/>
+          </a:xfrm>
+        </p:spPr>
+      </p:pic>
     </p:spTree>
     <p:extLst>
       <p:ext uri="{BB962C8B-B14F-4D97-AF65-F5344CB8AC3E}">
-        <p14:creationId xmlns:p14="http://schemas.microsoft.com/office/powerpoint/2010/main" val="3778296572"/>
+        <p14:creationId xmlns:p14="http://schemas.microsoft.com/office/powerpoint/2010/main" val="1099553965"/>
       </p:ext>
     </p:extLst>
   </p:cSld>
@@ -7679,7 +7908,7 @@
           <p:cNvPr id="2" name="Заголовок 1">
             <a:extLst>
               <a:ext uri="{FF2B5EF4-FFF2-40B4-BE49-F238E27FC236}">
-                <a16:creationId xmlns:a16="http://schemas.microsoft.com/office/drawing/2014/main" id="{D4BB738A-16AB-47A9-B2E4-581FD8B4E441}"/>
+                <a16:creationId xmlns:a16="http://schemas.microsoft.com/office/drawing/2014/main" id="{A1B209E0-0661-4056-8403-9427BD8CDB7C}"/>
               </a:ext>
             </a:extLst>
           </p:cNvPr>
@@ -7692,8 +7921,8 @@
         </p:nvSpPr>
         <p:spPr>
           <a:xfrm>
-            <a:off x="2869099" y="2728735"/>
-            <a:ext cx="6453801" cy="1400530"/>
+            <a:off x="4679658" y="76297"/>
+            <a:ext cx="2832684" cy="877318"/>
           </a:xfrm>
         </p:spPr>
         <p:txBody>
@@ -7701,16 +7930,153 @@
           <a:lstStyle/>
           <a:p>
             <a:r>
+              <a:rPr lang="en-US" dirty="0"/>
+              <a:t>Help </a:t>
+            </a:r>
+            <a:r>
               <a:rPr lang="ru-RU" dirty="0"/>
-              <a:t>Спасибо за внимание!</a:t>
-            </a:r>
-          </a:p>
-        </p:txBody>
-      </p:sp>
+              <a:t>окно</a:t>
+            </a:r>
+          </a:p>
+        </p:txBody>
+      </p:sp>
+      <p:pic>
+        <p:nvPicPr>
+          <p:cNvPr id="8" name="Объект 7">
+            <a:extLst>
+              <a:ext uri="{FF2B5EF4-FFF2-40B4-BE49-F238E27FC236}">
+                <a16:creationId xmlns:a16="http://schemas.microsoft.com/office/drawing/2014/main" id="{3F2748E2-31EB-4FB1-B09D-3B0B5CE438F6}"/>
+              </a:ext>
+            </a:extLst>
+          </p:cNvPr>
+          <p:cNvPicPr>
+            <a:picLocks noGrp="1" noChangeAspect="1"/>
+          </p:cNvPicPr>
+          <p:nvPr>
+            <p:ph idx="1"/>
+          </p:nvPr>
+        </p:nvPicPr>
+        <p:blipFill>
+          <a:blip r:embed="rId2">
+            <a:extLst>
+              <a:ext uri="{28A0092B-C50C-407E-A947-70E740481C1C}">
+                <a14:useLocalDpi xmlns:a14="http://schemas.microsoft.com/office/drawing/2010/main" val="0"/>
+              </a:ext>
+            </a:extLst>
+          </a:blip>
+          <a:stretch>
+            <a:fillRect/>
+          </a:stretch>
+        </p:blipFill>
+        <p:spPr>
+          <a:xfrm>
+            <a:off x="3388882" y="953615"/>
+            <a:ext cx="5719491" cy="5310957"/>
+          </a:xfrm>
+        </p:spPr>
+      </p:pic>
     </p:spTree>
     <p:extLst>
       <p:ext uri="{BB962C8B-B14F-4D97-AF65-F5344CB8AC3E}">
-        <p14:creationId xmlns:p14="http://schemas.microsoft.com/office/powerpoint/2010/main" val="4211688785"/>
+        <p14:creationId xmlns:p14="http://schemas.microsoft.com/office/powerpoint/2010/main" val="362685199"/>
+      </p:ext>
+    </p:extLst>
+  </p:cSld>
+  <p:clrMapOvr>
+    <a:masterClrMapping/>
+  </p:clrMapOvr>
+</p:sld>
+</file>
+
+<file path=ppt/slides/slide9.xml><?xml version="1.0" encoding="utf-8"?>
+<p:sld xmlns:a="http://schemas.openxmlformats.org/drawingml/2006/main" xmlns:r="http://schemas.openxmlformats.org/officeDocument/2006/relationships" xmlns:p="http://schemas.openxmlformats.org/presentationml/2006/main">
+  <p:cSld>
+    <p:spTree>
+      <p:nvGrpSpPr>
+        <p:cNvPr id="1" name=""/>
+        <p:cNvGrpSpPr/>
+        <p:nvPr/>
+      </p:nvGrpSpPr>
+      <p:grpSpPr>
+        <a:xfrm>
+          <a:off x="0" y="0"/>
+          <a:ext cx="0" cy="0"/>
+          <a:chOff x="0" y="0"/>
+          <a:chExt cx="0" cy="0"/>
+        </a:xfrm>
+      </p:grpSpPr>
+      <p:sp>
+        <p:nvSpPr>
+          <p:cNvPr id="2" name="Заголовок 1">
+            <a:extLst>
+              <a:ext uri="{FF2B5EF4-FFF2-40B4-BE49-F238E27FC236}">
+                <a16:creationId xmlns:a16="http://schemas.microsoft.com/office/drawing/2014/main" id="{ED691DC5-E212-4CFB-9C30-277DFF7126EE}"/>
+              </a:ext>
+            </a:extLst>
+          </p:cNvPr>
+          <p:cNvSpPr>
+            <a:spLocks noGrp="1"/>
+          </p:cNvSpPr>
+          <p:nvPr>
+            <p:ph type="title"/>
+          </p:nvPr>
+        </p:nvSpPr>
+        <p:spPr>
+          <a:xfrm>
+            <a:off x="3661788" y="410515"/>
+            <a:ext cx="4868424" cy="827442"/>
+          </a:xfrm>
+        </p:spPr>
+        <p:txBody>
+          <a:bodyPr/>
+          <a:lstStyle/>
+          <a:p>
+            <a:r>
+              <a:rPr lang="ru-RU" dirty="0"/>
+              <a:t>Полоска жизней</a:t>
+            </a:r>
+          </a:p>
+        </p:txBody>
+      </p:sp>
+      <p:pic>
+        <p:nvPicPr>
+          <p:cNvPr id="5" name="Объект 4">
+            <a:extLst>
+              <a:ext uri="{FF2B5EF4-FFF2-40B4-BE49-F238E27FC236}">
+                <a16:creationId xmlns:a16="http://schemas.microsoft.com/office/drawing/2014/main" id="{5873B703-CB4A-451D-A5A0-096A668349F1}"/>
+              </a:ext>
+            </a:extLst>
+          </p:cNvPr>
+          <p:cNvPicPr>
+            <a:picLocks noGrp="1" noChangeAspect="1"/>
+          </p:cNvPicPr>
+          <p:nvPr>
+            <p:ph idx="1"/>
+          </p:nvPr>
+        </p:nvPicPr>
+        <p:blipFill>
+          <a:blip r:embed="rId2">
+            <a:extLst>
+              <a:ext uri="{28A0092B-C50C-407E-A947-70E740481C1C}">
+                <a14:useLocalDpi xmlns:a14="http://schemas.microsoft.com/office/drawing/2010/main" val="0"/>
+              </a:ext>
+            </a:extLst>
+          </a:blip>
+          <a:stretch>
+            <a:fillRect/>
+          </a:stretch>
+        </p:blipFill>
+        <p:spPr>
+          <a:xfrm>
+            <a:off x="2380775" y="2244107"/>
+            <a:ext cx="6997125" cy="1399425"/>
+          </a:xfrm>
+        </p:spPr>
+      </p:pic>
+    </p:spTree>
+    <p:extLst>
+      <p:ext uri="{BB962C8B-B14F-4D97-AF65-F5344CB8AC3E}">
+        <p14:creationId xmlns:p14="http://schemas.microsoft.com/office/powerpoint/2010/main" val="2949222399"/>
       </p:ext>
     </p:extLst>
   </p:cSld>
